--- a/docs/06_FFT_Compute_Shader.pptx
+++ b/docs/06_FFT_Compute_Shader.pptx
@@ -8912,7 +8912,7 @@
           <a:p>
             <a:fld id="{6AD6EE87-EBD5-4F12-A48A-63ACA297AC8F}" type="datetimeFigureOut">
               <a:rPr lang="en-US" dirty="0"/>
-              <a:t>12/2/2018</a:t>
+              <a:t>12/3/2018</a:t>
             </a:fld>
             <a:endParaRPr lang="en-US" dirty="0"/>
           </a:p>
@@ -9114,7 +9114,7 @@
           <a:p>
             <a:fld id="{4CD73815-2707-4475-8F1A-B873CB631BB4}" type="datetimeFigureOut">
               <a:rPr lang="en-US" dirty="0"/>
-              <a:t>12/2/2018</a:t>
+              <a:t>12/3/2018</a:t>
             </a:fld>
             <a:endParaRPr lang="en-US" dirty="0"/>
           </a:p>
@@ -9289,7 +9289,7 @@
           <a:p>
             <a:fld id="{2A4AFB99-0EAB-4182-AFF8-E214C82A68F6}" type="datetimeFigureOut">
               <a:rPr lang="en-US" dirty="0"/>
-              <a:t>12/2/2018</a:t>
+              <a:t>12/3/2018</a:t>
             </a:fld>
             <a:endParaRPr lang="en-US" dirty="0"/>
           </a:p>
@@ -9489,7 +9489,7 @@
           <a:p>
             <a:fld id="{A5D3794B-289A-4A80-97D7-111025398D45}" type="datetimeFigureOut">
               <a:rPr lang="en-US" dirty="0"/>
-              <a:t>12/2/2018</a:t>
+              <a:t>12/3/2018</a:t>
             </a:fld>
             <a:endParaRPr lang="en-US" dirty="0"/>
           </a:p>
@@ -18382,7 +18382,7 @@
           <a:p>
             <a:fld id="{5A61015F-7CC6-4D0A-9D87-873EA4C304CC}" type="datetimeFigureOut">
               <a:rPr lang="en-US" dirty="0"/>
-              <a:t>12/2/2018</a:t>
+              <a:t>12/3/2018</a:t>
             </a:fld>
             <a:endParaRPr lang="en-US" dirty="0"/>
           </a:p>
@@ -18651,7 +18651,7 @@
           <a:p>
             <a:fld id="{93C6A301-0538-44EC-B09D-202E1042A48B}" type="datetimeFigureOut">
               <a:rPr lang="en-US" dirty="0"/>
-              <a:t>12/2/2018</a:t>
+              <a:t>12/3/2018</a:t>
             </a:fld>
             <a:endParaRPr lang="en-US" dirty="0"/>
           </a:p>
@@ -19044,7 +19044,7 @@
           <a:p>
             <a:fld id="{D789574A-8875-45EF-8EA2-3CAA0F7ABC4C}" type="datetimeFigureOut">
               <a:rPr lang="en-US" dirty="0"/>
-              <a:t>12/2/2018</a:t>
+              <a:t>12/3/2018</a:t>
             </a:fld>
             <a:endParaRPr lang="en-US" dirty="0"/>
           </a:p>
@@ -19157,7 +19157,7 @@
           <a:p>
             <a:fld id="{67EF4D4C-5367-4C26-9E2B-D8088D7FCA81}" type="datetimeFigureOut">
               <a:rPr lang="en-US" dirty="0"/>
-              <a:t>12/2/2018</a:t>
+              <a:t>12/3/2018</a:t>
             </a:fld>
             <a:endParaRPr lang="en-US" dirty="0"/>
           </a:p>
@@ -19247,7 +19247,7 @@
           <a:p>
             <a:fld id="{56E91E96-98B0-4413-9547-46F3504108EF}" type="datetimeFigureOut">
               <a:rPr lang="en-US" dirty="0"/>
-              <a:t>12/2/2018</a:t>
+              <a:t>12/3/2018</a:t>
             </a:fld>
             <a:endParaRPr lang="en-US" dirty="0"/>
           </a:p>
@@ -19532,7 +19532,7 @@
           <a:p>
             <a:fld id="{05C68B11-C5A8-448C-8CE9-B1A273C79CFC}" type="datetimeFigureOut">
               <a:rPr lang="en-US" dirty="0"/>
-              <a:t>12/2/2018</a:t>
+              <a:t>12/3/2018</a:t>
             </a:fld>
             <a:endParaRPr lang="en-US" dirty="0"/>
           </a:p>
@@ -19807,7 +19807,7 @@
           <a:p>
             <a:fld id="{C7616CA0-919D-4A49-9C8A-62FDFB3A5183}" type="datetimeFigureOut">
               <a:rPr lang="en-US" dirty="0"/>
-              <a:t>12/2/2018</a:t>
+              <a:t>12/3/2018</a:t>
             </a:fld>
             <a:endParaRPr lang="en-US" dirty="0"/>
           </a:p>
@@ -20053,7 +20053,7 @@
             <a:fld id="{90298CD5-6C1E-4009-B41F-6DF62E31D3BE}" type="datetimeFigureOut">
               <a:rPr lang="en-US" dirty="0"/>
               <a:pPr/>
-              <a:t>12/2/2018</a:t>
+              <a:t>12/3/2018</a:t>
             </a:fld>
             <a:endParaRPr lang="en-US" dirty="0"/>
           </a:p>
@@ -21051,7 +21051,15 @@
             </a:r>
             <a:r>
               <a:rPr lang="en-US" dirty="0"/>
-              <a:t> Sorting</a:t>
+              <a:t> Sorting (</a:t>
+            </a:r>
+            <a:r>
+              <a:rPr lang="en-US" dirty="0" err="1"/>
+              <a:t>loglogN</a:t>
+            </a:r>
+            <a:r>
+              <a:rPr lang="en-US" dirty="0"/>
+              <a:t>)</a:t>
             </a:r>
           </a:p>
           <a:p>
@@ -21181,14 +21189,14 @@
             <p:ph idx="1"/>
             <p:extLst>
               <p:ext uri="{D42A27DB-BD31-4B8C-83A1-F6EECF244321}">
-                <p14:modId xmlns:p14="http://schemas.microsoft.com/office/powerpoint/2010/main" val="362435601"/>
+                <p14:modId xmlns:p14="http://schemas.microsoft.com/office/powerpoint/2010/main" val="2615669415"/>
               </p:ext>
             </p:extLst>
           </p:nvPr>
         </p:nvGraphicFramePr>
         <p:xfrm>
           <a:off x="1023938" y="2286000"/>
-          <a:ext cx="9720264" cy="1112520"/>
+          <a:ext cx="9720264" cy="1381760"/>
         </p:xfrm>
         <a:graphic>
           <a:graphicData uri="http://schemas.openxmlformats.org/drawingml/2006/table">
@@ -21317,7 +21325,7 @@
                     <a:bodyPr/>
                     <a:lstStyle/>
                     <a:p>
-                      <a:endParaRPr lang="en-US"/>
+                      <a:endParaRPr lang="en-US" dirty="0"/>
                     </a:p>
                   </a:txBody>
                   <a:tcPr/>
@@ -21327,7 +21335,7 @@
                     <a:bodyPr/>
                     <a:lstStyle/>
                     <a:p>
-                      <a:endParaRPr lang="en-US"/>
+                      <a:endParaRPr lang="en-US" dirty="0"/>
                     </a:p>
                   </a:txBody>
                   <a:tcPr/>
@@ -21389,7 +21397,13 @@
                     <a:p>
                       <a:r>
                         <a:rPr lang="en-US" dirty="0"/>
-                        <a:t>~180s</a:t>
+                        <a:t>~180s (debug)</a:t>
+                      </a:r>
+                    </a:p>
+                    <a:p>
+                      <a:r>
+                        <a:rPr lang="en-US" dirty="0"/>
+                        <a:t>2.6s (release)</a:t>
                       </a:r>
                     </a:p>
                   </a:txBody>
